--- a/examples/output/simple_proper.pptx
+++ b/examples/output/simple_proper.pptx
@@ -102,7 +102,7 @@
           <a:p>
             <a:r>
               <a:rPr lang="en-US" smtClean="0"/>
-              <a:t>My Presentation</a:t>
+              <a:t>Presentation</a:t>
             </a:r>
             <a:endParaRPr lang="en-US"/>
           </a:p>
